--- a/Prezentace/2. ročník/PGM_00.pptx
+++ b/Prezentace/2. ročník/PGM_00.pptx
@@ -113,6 +113,11 @@
       </a:defRPr>
     </a:lvl9pPr>
   </p:defaultTextStyle>
+  <p:extLst>
+    <p:ext uri="{EFAFB233-063F-42B5-8137-9DF3F51BA10A}">
+      <p15:sldGuideLst xmlns:p15="http://schemas.microsoft.com/office/powerpoint/2012/main"/>
+    </p:ext>
+  </p:extLst>
 </p:presentation>
 </file>
 
@@ -304,7 +309,7 @@
           <a:p>
             <a:fld id="{F45859ED-9BFA-4F71-8132-5C6DFE8C59B7}" type="datetimeFigureOut">
               <a:rPr lang="cs-CZ" smtClean="0"/>
-              <a:t>28.08.2021</a:t>
+              <a:t>08.09.2022</a:t>
             </a:fld>
             <a:endParaRPr lang="cs-CZ"/>
           </a:p>
@@ -642,7 +647,7 @@
           <a:p>
             <a:fld id="{F45859ED-9BFA-4F71-8132-5C6DFE8C59B7}" type="datetimeFigureOut">
               <a:rPr lang="cs-CZ" smtClean="0"/>
-              <a:t>28.08.2021</a:t>
+              <a:t>08.09.2022</a:t>
             </a:fld>
             <a:endParaRPr lang="cs-CZ"/>
           </a:p>
@@ -1043,7 +1048,7 @@
           <a:p>
             <a:fld id="{F45859ED-9BFA-4F71-8132-5C6DFE8C59B7}" type="datetimeFigureOut">
               <a:rPr lang="cs-CZ" smtClean="0"/>
-              <a:t>28.08.2021</a:t>
+              <a:t>08.09.2022</a:t>
             </a:fld>
             <a:endParaRPr lang="cs-CZ"/>
           </a:p>
@@ -1379,7 +1384,7 @@
           <a:p>
             <a:fld id="{F45859ED-9BFA-4F71-8132-5C6DFE8C59B7}" type="datetimeFigureOut">
               <a:rPr lang="cs-CZ" smtClean="0"/>
-              <a:t>28.08.2021</a:t>
+              <a:t>08.09.2022</a:t>
             </a:fld>
             <a:endParaRPr lang="cs-CZ"/>
           </a:p>
@@ -1699,7 +1704,7 @@
           <a:p>
             <a:fld id="{F45859ED-9BFA-4F71-8132-5C6DFE8C59B7}" type="datetimeFigureOut">
               <a:rPr lang="cs-CZ" smtClean="0"/>
-              <a:t>28.08.2021</a:t>
+              <a:t>08.09.2022</a:t>
             </a:fld>
             <a:endParaRPr lang="cs-CZ"/>
           </a:p>
@@ -2095,7 +2100,7 @@
           <a:p>
             <a:fld id="{F45859ED-9BFA-4F71-8132-5C6DFE8C59B7}" type="datetimeFigureOut">
               <a:rPr lang="cs-CZ" smtClean="0"/>
-              <a:t>28.08.2021</a:t>
+              <a:t>08.09.2022</a:t>
             </a:fld>
             <a:endParaRPr lang="cs-CZ"/>
           </a:p>
@@ -2352,7 +2357,7 @@
           <a:p>
             <a:fld id="{F45859ED-9BFA-4F71-8132-5C6DFE8C59B7}" type="datetimeFigureOut">
               <a:rPr lang="cs-CZ" smtClean="0"/>
-              <a:t>28.08.2021</a:t>
+              <a:t>08.09.2022</a:t>
             </a:fld>
             <a:endParaRPr lang="cs-CZ"/>
           </a:p>
@@ -2614,7 +2619,7 @@
           <a:p>
             <a:fld id="{F45859ED-9BFA-4F71-8132-5C6DFE8C59B7}" type="datetimeFigureOut">
               <a:rPr lang="cs-CZ" smtClean="0"/>
-              <a:t>28.08.2021</a:t>
+              <a:t>08.09.2022</a:t>
             </a:fld>
             <a:endParaRPr lang="cs-CZ"/>
           </a:p>
@@ -2876,7 +2881,7 @@
           <a:p>
             <a:fld id="{F45859ED-9BFA-4F71-8132-5C6DFE8C59B7}" type="datetimeFigureOut">
               <a:rPr lang="cs-CZ" smtClean="0"/>
-              <a:t>28.08.2021</a:t>
+              <a:t>08.09.2022</a:t>
             </a:fld>
             <a:endParaRPr lang="cs-CZ"/>
           </a:p>
@@ -3205,7 +3210,7 @@
           <a:p>
             <a:fld id="{F45859ED-9BFA-4F71-8132-5C6DFE8C59B7}" type="datetimeFigureOut">
               <a:rPr lang="cs-CZ" smtClean="0"/>
-              <a:t>28.08.2021</a:t>
+              <a:t>08.09.2022</a:t>
             </a:fld>
             <a:endParaRPr lang="cs-CZ"/>
           </a:p>
@@ -3528,7 +3533,7 @@
           <a:p>
             <a:fld id="{F45859ED-9BFA-4F71-8132-5C6DFE8C59B7}" type="datetimeFigureOut">
               <a:rPr lang="cs-CZ" smtClean="0"/>
-              <a:t>28.08.2021</a:t>
+              <a:t>08.09.2022</a:t>
             </a:fld>
             <a:endParaRPr lang="cs-CZ"/>
           </a:p>
@@ -3985,7 +3990,7 @@
           <a:p>
             <a:fld id="{F45859ED-9BFA-4F71-8132-5C6DFE8C59B7}" type="datetimeFigureOut">
               <a:rPr lang="cs-CZ" smtClean="0"/>
-              <a:t>28.08.2021</a:t>
+              <a:t>08.09.2022</a:t>
             </a:fld>
             <a:endParaRPr lang="cs-CZ"/>
           </a:p>
@@ -4190,7 +4195,7 @@
           <a:p>
             <a:fld id="{F45859ED-9BFA-4F71-8132-5C6DFE8C59B7}" type="datetimeFigureOut">
               <a:rPr lang="cs-CZ" smtClean="0"/>
-              <a:t>28.08.2021</a:t>
+              <a:t>08.09.2022</a:t>
             </a:fld>
             <a:endParaRPr lang="cs-CZ"/>
           </a:p>
@@ -4367,7 +4372,7 @@
           <a:p>
             <a:fld id="{F45859ED-9BFA-4F71-8132-5C6DFE8C59B7}" type="datetimeFigureOut">
               <a:rPr lang="cs-CZ" smtClean="0"/>
-              <a:t>28.08.2021</a:t>
+              <a:t>08.09.2022</a:t>
             </a:fld>
             <a:endParaRPr lang="cs-CZ"/>
           </a:p>
@@ -4700,7 +4705,7 @@
           <a:p>
             <a:fld id="{F45859ED-9BFA-4F71-8132-5C6DFE8C59B7}" type="datetimeFigureOut">
               <a:rPr lang="cs-CZ" smtClean="0"/>
-              <a:t>28.08.2021</a:t>
+              <a:t>08.09.2022</a:t>
             </a:fld>
             <a:endParaRPr lang="cs-CZ"/>
           </a:p>
@@ -5045,7 +5050,7 @@
           <a:p>
             <a:fld id="{F45859ED-9BFA-4F71-8132-5C6DFE8C59B7}" type="datetimeFigureOut">
               <a:rPr lang="cs-CZ" smtClean="0"/>
-              <a:t>28.08.2021</a:t>
+              <a:t>08.09.2022</a:t>
             </a:fld>
             <a:endParaRPr lang="cs-CZ"/>
           </a:p>
@@ -7162,7 +7167,7 @@
           <a:p>
             <a:fld id="{F45859ED-9BFA-4F71-8132-5C6DFE8C59B7}" type="datetimeFigureOut">
               <a:rPr lang="cs-CZ" smtClean="0"/>
-              <a:t>28.08.2021</a:t>
+              <a:t>08.09.2022</a:t>
             </a:fld>
             <a:endParaRPr lang="cs-CZ"/>
           </a:p>
@@ -7739,7 +7744,7 @@
                 <a16:creationId xmlns:a16="http://schemas.microsoft.com/office/drawing/2014/main" id="{2F2D0089-EE06-49C0-9C5F-56B94DF2D329}"/>
               </a:ext>
               <a:ext uri="{C183D7F6-B498-43B3-948B-1728B52AA6E4}">
-                <adec:decorative xmlns:adec="http://schemas.microsoft.com/office/drawing/2017/decorative" val="1"/>
+                <adec:decorative xmlns:adec="http://schemas.microsoft.com/office/drawing/2017/decorative" xmlns="" val="1"/>
               </a:ext>
             </a:extLst>
           </p:cNvPr>
@@ -8412,6 +8417,13 @@
   <p:clrMapOvr>
     <a:masterClrMapping/>
   </p:clrMapOvr>
+  <p:timing>
+    <p:tnLst>
+      <p:par>
+        <p:cTn id="1" dur="indefinite" restart="never" nodeType="tmRoot"/>
+      </p:par>
+    </p:tnLst>
+  </p:timing>
 </p:sld>
 </file>
 
@@ -8463,7 +8475,7 @@
                 <a16:creationId xmlns:a16="http://schemas.microsoft.com/office/drawing/2014/main" id="{04341DEF-81B7-4EEC-8909-6F2B6087D172}"/>
               </a:ext>
               <a:ext uri="{C183D7F6-B498-43B3-948B-1728B52AA6E4}">
-                <adec:decorative xmlns:adec="http://schemas.microsoft.com/office/drawing/2017/decorative" val="1"/>
+                <adec:decorative xmlns:adec="http://schemas.microsoft.com/office/drawing/2017/decorative" xmlns="" val="1"/>
               </a:ext>
             </a:extLst>
           </p:cNvPr>
@@ -8622,7 +8634,7 @@
                 <a16:creationId xmlns:a16="http://schemas.microsoft.com/office/drawing/2014/main" id="{9A5AC064-ADE7-4B0C-8245-B2F1EB5B8B36}"/>
               </a:ext>
               <a:ext uri="{C183D7F6-B498-43B3-948B-1728B52AA6E4}">
-                <adec:decorative xmlns:adec="http://schemas.microsoft.com/office/drawing/2017/decorative" val="1"/>
+                <adec:decorative xmlns:adec="http://schemas.microsoft.com/office/drawing/2017/decorative" xmlns="" val="1"/>
               </a:ext>
             </a:extLst>
           </p:cNvPr>
@@ -8653,7 +8665,7 @@
                   <a16:creationId xmlns:a16="http://schemas.microsoft.com/office/drawing/2014/main" id="{E37B7EBB-C9FD-4E5D-BD7F-BB6092F9A5A4}"/>
                 </a:ext>
                 <a:ext uri="{C183D7F6-B498-43B3-948B-1728B52AA6E4}">
-                  <adec:decorative xmlns:adec="http://schemas.microsoft.com/office/drawing/2017/decorative" val="1"/>
+                  <adec:decorative xmlns:adec="http://schemas.microsoft.com/office/drawing/2017/decorative" xmlns="" val="1"/>
                 </a:ext>
               </a:extLst>
             </p:cNvPr>
@@ -8729,7 +8741,7 @@
                   <a16:creationId xmlns:a16="http://schemas.microsoft.com/office/drawing/2014/main" id="{C8B2AE09-B233-4FDA-B631-5206203CA595}"/>
                 </a:ext>
                 <a:ext uri="{C183D7F6-B498-43B3-948B-1728B52AA6E4}">
-                  <adec:decorative xmlns:adec="http://schemas.microsoft.com/office/drawing/2017/decorative" val="1"/>
+                  <adec:decorative xmlns:adec="http://schemas.microsoft.com/office/drawing/2017/decorative" xmlns="" val="1"/>
                 </a:ext>
               </a:extLst>
             </p:cNvPr>
@@ -8810,7 +8822,7 @@
                   <a16:creationId xmlns:a16="http://schemas.microsoft.com/office/drawing/2014/main" id="{88F32931-9845-458F-B8F8-8E78CCEE755F}"/>
                 </a:ext>
                 <a:ext uri="{C183D7F6-B498-43B3-948B-1728B52AA6E4}">
-                  <adec:decorative xmlns:adec="http://schemas.microsoft.com/office/drawing/2017/decorative" val="1"/>
+                  <adec:decorative xmlns:adec="http://schemas.microsoft.com/office/drawing/2017/decorative" xmlns="" val="1"/>
                 </a:ext>
               </a:extLst>
             </p:cNvPr>
@@ -8896,7 +8908,7 @@
                   <a16:creationId xmlns:a16="http://schemas.microsoft.com/office/drawing/2014/main" id="{148BE82D-39C4-48EF-997D-8BFA63F380B8}"/>
                 </a:ext>
                 <a:ext uri="{C183D7F6-B498-43B3-948B-1728B52AA6E4}">
-                  <adec:decorative xmlns:adec="http://schemas.microsoft.com/office/drawing/2017/decorative" val="1"/>
+                  <adec:decorative xmlns:adec="http://schemas.microsoft.com/office/drawing/2017/decorative" xmlns="" val="1"/>
                 </a:ext>
               </a:extLst>
             </p:cNvPr>
@@ -8962,7 +8974,7 @@
                   <a16:creationId xmlns:a16="http://schemas.microsoft.com/office/drawing/2014/main" id="{852DC9DE-9D71-4A37-B4FA-E4221711017B}"/>
                 </a:ext>
                 <a:ext uri="{C183D7F6-B498-43B3-948B-1728B52AA6E4}">
-                  <adec:decorative xmlns:adec="http://schemas.microsoft.com/office/drawing/2017/decorative" val="1"/>
+                  <adec:decorative xmlns:adec="http://schemas.microsoft.com/office/drawing/2017/decorative" xmlns="" val="1"/>
                 </a:ext>
               </a:extLst>
             </p:cNvPr>
@@ -9063,7 +9075,7 @@
                   <a16:creationId xmlns:a16="http://schemas.microsoft.com/office/drawing/2014/main" id="{F47E097E-D860-4834-88D3-8BC8D6507431}"/>
                 </a:ext>
                 <a:ext uri="{C183D7F6-B498-43B3-948B-1728B52AA6E4}">
-                  <adec:decorative xmlns:adec="http://schemas.microsoft.com/office/drawing/2017/decorative" val="1"/>
+                  <adec:decorative xmlns:adec="http://schemas.microsoft.com/office/drawing/2017/decorative" xmlns="" val="1"/>
                 </a:ext>
               </a:extLst>
             </p:cNvPr>
@@ -9159,7 +9171,7 @@
                   <a16:creationId xmlns:a16="http://schemas.microsoft.com/office/drawing/2014/main" id="{16A387B9-DEF4-466D-9126-83B19CE7B71B}"/>
                 </a:ext>
                 <a:ext uri="{C183D7F6-B498-43B3-948B-1728B52AA6E4}">
-                  <adec:decorative xmlns:adec="http://schemas.microsoft.com/office/drawing/2017/decorative" val="1"/>
+                  <adec:decorative xmlns:adec="http://schemas.microsoft.com/office/drawing/2017/decorative" xmlns="" val="1"/>
                 </a:ext>
               </a:extLst>
             </p:cNvPr>
@@ -9235,7 +9247,7 @@
                   <a16:creationId xmlns:a16="http://schemas.microsoft.com/office/drawing/2014/main" id="{154CD8CA-8183-40A6-AEF0-5DBAB801B990}"/>
                 </a:ext>
                 <a:ext uri="{C183D7F6-B498-43B3-948B-1728B52AA6E4}">
-                  <adec:decorative xmlns:adec="http://schemas.microsoft.com/office/drawing/2017/decorative" val="1"/>
+                  <adec:decorative xmlns:adec="http://schemas.microsoft.com/office/drawing/2017/decorative" xmlns="" val="1"/>
                 </a:ext>
               </a:extLst>
             </p:cNvPr>
@@ -9331,7 +9343,7 @@
                   <a16:creationId xmlns:a16="http://schemas.microsoft.com/office/drawing/2014/main" id="{5A88D6FA-1489-4872-9E82-BAE278A577CD}"/>
                 </a:ext>
                 <a:ext uri="{C183D7F6-B498-43B3-948B-1728B52AA6E4}">
-                  <adec:decorative xmlns:adec="http://schemas.microsoft.com/office/drawing/2017/decorative" val="1"/>
+                  <adec:decorative xmlns:adec="http://schemas.microsoft.com/office/drawing/2017/decorative" xmlns="" val="1"/>
                 </a:ext>
               </a:extLst>
             </p:cNvPr>
@@ -9462,7 +9474,7 @@
                   <a16:creationId xmlns:a16="http://schemas.microsoft.com/office/drawing/2014/main" id="{67DE90D4-F72A-4FE4-862E-C424D270D084}"/>
                 </a:ext>
                 <a:ext uri="{C183D7F6-B498-43B3-948B-1728B52AA6E4}">
-                  <adec:decorative xmlns:adec="http://schemas.microsoft.com/office/drawing/2017/decorative" val="1"/>
+                  <adec:decorative xmlns:adec="http://schemas.microsoft.com/office/drawing/2017/decorative" xmlns="" val="1"/>
                 </a:ext>
               </a:extLst>
             </p:cNvPr>
@@ -9528,7 +9540,7 @@
                   <a16:creationId xmlns:a16="http://schemas.microsoft.com/office/drawing/2014/main" id="{5A3D158C-2B8A-4243-A03E-63081E2048A2}"/>
                 </a:ext>
                 <a:ext uri="{C183D7F6-B498-43B3-948B-1728B52AA6E4}">
-                  <adec:decorative xmlns:adec="http://schemas.microsoft.com/office/drawing/2017/decorative" val="1"/>
+                  <adec:decorative xmlns:adec="http://schemas.microsoft.com/office/drawing/2017/decorative" xmlns="" val="1"/>
                 </a:ext>
               </a:extLst>
             </p:cNvPr>
@@ -9604,7 +9616,7 @@
                   <a16:creationId xmlns:a16="http://schemas.microsoft.com/office/drawing/2014/main" id="{E3129423-824E-4B81-A87E-447D1E3A848F}"/>
                 </a:ext>
                 <a:ext uri="{C183D7F6-B498-43B3-948B-1728B52AA6E4}">
-                  <adec:decorative xmlns:adec="http://schemas.microsoft.com/office/drawing/2017/decorative" val="1"/>
+                  <adec:decorative xmlns:adec="http://schemas.microsoft.com/office/drawing/2017/decorative" xmlns="" val="1"/>
                 </a:ext>
               </a:extLst>
             </p:cNvPr>
@@ -9691,7 +9703,7 @@
                 <a16:creationId xmlns:a16="http://schemas.microsoft.com/office/drawing/2014/main" id="{A49E48F8-A2B8-4478-8AC8-5E209D09AB25}"/>
               </a:ext>
               <a:ext uri="{C183D7F6-B498-43B3-948B-1728B52AA6E4}">
-                <adec:decorative xmlns:adec="http://schemas.microsoft.com/office/drawing/2017/decorative" val="1"/>
+                <adec:decorative xmlns:adec="http://schemas.microsoft.com/office/drawing/2017/decorative" xmlns="" val="1"/>
               </a:ext>
             </a:extLst>
           </p:cNvPr>
@@ -9722,7 +9734,7 @@
                   <a16:creationId xmlns:a16="http://schemas.microsoft.com/office/drawing/2014/main" id="{0847DF35-E732-4994-9178-C716F67AC683}"/>
                 </a:ext>
                 <a:ext uri="{C183D7F6-B498-43B3-948B-1728B52AA6E4}">
-                  <adec:decorative xmlns:adec="http://schemas.microsoft.com/office/drawing/2017/decorative" val="1"/>
+                  <adec:decorative xmlns:adec="http://schemas.microsoft.com/office/drawing/2017/decorative" xmlns="" val="1"/>
                 </a:ext>
               </a:extLst>
             </p:cNvPr>
@@ -9841,7 +9853,7 @@
                   <a16:creationId xmlns:a16="http://schemas.microsoft.com/office/drawing/2014/main" id="{4587982D-A0D3-4EE2-8CEF-37993A51E47E}"/>
                 </a:ext>
                 <a:ext uri="{C183D7F6-B498-43B3-948B-1728B52AA6E4}">
-                  <adec:decorative xmlns:adec="http://schemas.microsoft.com/office/drawing/2017/decorative" val="1"/>
+                  <adec:decorative xmlns:adec="http://schemas.microsoft.com/office/drawing/2017/decorative" xmlns="" val="1"/>
                 </a:ext>
               </a:extLst>
             </p:cNvPr>
@@ -9925,7 +9937,7 @@
                   <a16:creationId xmlns:a16="http://schemas.microsoft.com/office/drawing/2014/main" id="{BB673465-572A-42D0-BD59-7EC8540B58DC}"/>
                 </a:ext>
                 <a:ext uri="{C183D7F6-B498-43B3-948B-1728B52AA6E4}">
-                  <adec:decorative xmlns:adec="http://schemas.microsoft.com/office/drawing/2017/decorative" val="1"/>
+                  <adec:decorative xmlns:adec="http://schemas.microsoft.com/office/drawing/2017/decorative" xmlns="" val="1"/>
                 </a:ext>
               </a:extLst>
             </p:cNvPr>
@@ -10009,7 +10021,7 @@
                   <a16:creationId xmlns:a16="http://schemas.microsoft.com/office/drawing/2014/main" id="{A4FC5299-7FE6-4E03-8940-7DE35873E712}"/>
                 </a:ext>
                 <a:ext uri="{C183D7F6-B498-43B3-948B-1728B52AA6E4}">
-                  <adec:decorative xmlns:adec="http://schemas.microsoft.com/office/drawing/2017/decorative" val="1"/>
+                  <adec:decorative xmlns:adec="http://schemas.microsoft.com/office/drawing/2017/decorative" xmlns="" val="1"/>
                 </a:ext>
               </a:extLst>
             </p:cNvPr>
@@ -10108,7 +10120,7 @@
                   <a16:creationId xmlns:a16="http://schemas.microsoft.com/office/drawing/2014/main" id="{86E2AF04-90CB-449E-AB7A-D10235983691}"/>
                 </a:ext>
                 <a:ext uri="{C183D7F6-B498-43B3-948B-1728B52AA6E4}">
-                  <adec:decorative xmlns:adec="http://schemas.microsoft.com/office/drawing/2017/decorative" val="1"/>
+                  <adec:decorative xmlns:adec="http://schemas.microsoft.com/office/drawing/2017/decorative" xmlns="" val="1"/>
                 </a:ext>
               </a:extLst>
             </p:cNvPr>
@@ -10217,7 +10229,7 @@
                   <a16:creationId xmlns:a16="http://schemas.microsoft.com/office/drawing/2014/main" id="{C11C6385-7122-4AD4-AE84-D76BCB36118C}"/>
                 </a:ext>
                 <a:ext uri="{C183D7F6-B498-43B3-948B-1728B52AA6E4}">
-                  <adec:decorative xmlns:adec="http://schemas.microsoft.com/office/drawing/2017/decorative" val="1"/>
+                  <adec:decorative xmlns:adec="http://schemas.microsoft.com/office/drawing/2017/decorative" xmlns="" val="1"/>
                 </a:ext>
               </a:extLst>
             </p:cNvPr>
@@ -10281,7 +10293,7 @@
                   <a16:creationId xmlns:a16="http://schemas.microsoft.com/office/drawing/2014/main" id="{D487FA13-07EC-4E0F-B832-08E2BCC2FC50}"/>
                 </a:ext>
                 <a:ext uri="{C183D7F6-B498-43B3-948B-1728B52AA6E4}">
-                  <adec:decorative xmlns:adec="http://schemas.microsoft.com/office/drawing/2017/decorative" val="1"/>
+                  <adec:decorative xmlns:adec="http://schemas.microsoft.com/office/drawing/2017/decorative" xmlns="" val="1"/>
                 </a:ext>
               </a:extLst>
             </p:cNvPr>
@@ -10360,7 +10372,7 @@
                   <a16:creationId xmlns:a16="http://schemas.microsoft.com/office/drawing/2014/main" id="{9F4E74A1-DFE6-4E08-8F2F-B4BBEA92F84B}"/>
                 </a:ext>
                 <a:ext uri="{C183D7F6-B498-43B3-948B-1728B52AA6E4}">
-                  <adec:decorative xmlns:adec="http://schemas.microsoft.com/office/drawing/2017/decorative" val="1"/>
+                  <adec:decorative xmlns:adec="http://schemas.microsoft.com/office/drawing/2017/decorative" xmlns="" val="1"/>
                 </a:ext>
               </a:extLst>
             </p:cNvPr>
@@ -10484,7 +10496,7 @@
                   <a16:creationId xmlns:a16="http://schemas.microsoft.com/office/drawing/2014/main" id="{13CC4D3F-FA7A-4C14-BDC3-BC2BB704DB6D}"/>
                 </a:ext>
                 <a:ext uri="{C183D7F6-B498-43B3-948B-1728B52AA6E4}">
-                  <adec:decorative xmlns:adec="http://schemas.microsoft.com/office/drawing/2017/decorative" val="1"/>
+                  <adec:decorative xmlns:adec="http://schemas.microsoft.com/office/drawing/2017/decorative" xmlns="" val="1"/>
                 </a:ext>
               </a:extLst>
             </p:cNvPr>
@@ -10548,7 +10560,7 @@
                   <a16:creationId xmlns:a16="http://schemas.microsoft.com/office/drawing/2014/main" id="{1B592E45-964E-4F95-9828-EFC8B12D5962}"/>
                 </a:ext>
                 <a:ext uri="{C183D7F6-B498-43B3-948B-1728B52AA6E4}">
-                  <adec:decorative xmlns:adec="http://schemas.microsoft.com/office/drawing/2017/decorative" val="1"/>
+                  <adec:decorative xmlns:adec="http://schemas.microsoft.com/office/drawing/2017/decorative" xmlns="" val="1"/>
                 </a:ext>
               </a:extLst>
             </p:cNvPr>
@@ -10632,7 +10644,7 @@
                   <a16:creationId xmlns:a16="http://schemas.microsoft.com/office/drawing/2014/main" id="{BCE85C42-D558-4570-A659-2A22AE3F61DB}"/>
                 </a:ext>
                 <a:ext uri="{C183D7F6-B498-43B3-948B-1728B52AA6E4}">
-                  <adec:decorative xmlns:adec="http://schemas.microsoft.com/office/drawing/2017/decorative" val="1"/>
+                  <adec:decorative xmlns:adec="http://schemas.microsoft.com/office/drawing/2017/decorative" xmlns="" val="1"/>
                 </a:ext>
               </a:extLst>
             </p:cNvPr>
@@ -10711,7 +10723,7 @@
                   <a16:creationId xmlns:a16="http://schemas.microsoft.com/office/drawing/2014/main" id="{9EAFB9C6-4F7C-4206-9FAC-19FA844068D1}"/>
                 </a:ext>
                 <a:ext uri="{C183D7F6-B498-43B3-948B-1728B52AA6E4}">
-                  <adec:decorative xmlns:adec="http://schemas.microsoft.com/office/drawing/2017/decorative" val="1"/>
+                  <adec:decorative xmlns:adec="http://schemas.microsoft.com/office/drawing/2017/decorative" xmlns="" val="1"/>
                 </a:ext>
               </a:extLst>
             </p:cNvPr>
@@ -10831,7 +10843,7 @@
                 <a16:creationId xmlns:a16="http://schemas.microsoft.com/office/drawing/2014/main" id="{911A4BE3-B040-48E2-8AC0-783C1FA59F86}"/>
               </a:ext>
               <a:ext uri="{C183D7F6-B498-43B3-948B-1728B52AA6E4}">
-                <adec:decorative xmlns:adec="http://schemas.microsoft.com/office/drawing/2017/decorative" val="1"/>
+                <adec:decorative xmlns:adec="http://schemas.microsoft.com/office/drawing/2017/decorative" xmlns="" val="1"/>
               </a:ext>
             </a:extLst>
           </p:cNvPr>
@@ -10885,7 +10897,7 @@
                 <a16:creationId xmlns:a16="http://schemas.microsoft.com/office/drawing/2014/main" id="{2B22D258-32DB-4A09-A867-02C497F2BF2E}"/>
               </a:ext>
               <a:ext uri="{C183D7F6-B498-43B3-948B-1728B52AA6E4}">
-                <adec:decorative xmlns:adec="http://schemas.microsoft.com/office/drawing/2017/decorative" val="1"/>
+                <adec:decorative xmlns:adec="http://schemas.microsoft.com/office/drawing/2017/decorative" xmlns="" val="1"/>
               </a:ext>
             </a:extLst>
           </p:cNvPr>
@@ -11115,6 +11127,13 @@
   <p:clrMapOvr>
     <a:masterClrMapping/>
   </p:clrMapOvr>
+  <p:timing>
+    <p:tnLst>
+      <p:par>
+        <p:cTn id="1" dur="indefinite" restart="never" nodeType="tmRoot"/>
+      </p:par>
+    </p:tnLst>
+  </p:timing>
 </p:sld>
 </file>
 
@@ -11151,7 +11170,7 @@
                 <a16:creationId xmlns:a16="http://schemas.microsoft.com/office/drawing/2014/main" id="{CD306B45-25EE-434D-ABA9-A27B79320CFF}"/>
               </a:ext>
               <a:ext uri="{C183D7F6-B498-43B3-948B-1728B52AA6E4}">
-                <adec:decorative xmlns:adec="http://schemas.microsoft.com/office/drawing/2017/decorative" val="1"/>
+                <adec:decorative xmlns:adec="http://schemas.microsoft.com/office/drawing/2017/decorative" xmlns="" val="1"/>
               </a:ext>
             </a:extLst>
           </p:cNvPr>
@@ -11252,7 +11271,7 @@
                 <a16:creationId xmlns:a16="http://schemas.microsoft.com/office/drawing/2014/main" id="{0A42F85E-4939-431E-8B4A-EC07C8E0AB65}"/>
               </a:ext>
               <a:ext uri="{C183D7F6-B498-43B3-948B-1728B52AA6E4}">
-                <adec:decorative xmlns:adec="http://schemas.microsoft.com/office/drawing/2017/decorative" val="1"/>
+                <adec:decorative xmlns:adec="http://schemas.microsoft.com/office/drawing/2017/decorative" xmlns="" val="1"/>
               </a:ext>
             </a:extLst>
           </p:cNvPr>
@@ -11306,7 +11325,7 @@
                 <a16:creationId xmlns:a16="http://schemas.microsoft.com/office/drawing/2014/main" id="{27EBB3F9-D6F7-4F6A-8843-9FEBA15E4969}"/>
               </a:ext>
               <a:ext uri="{C183D7F6-B498-43B3-948B-1728B52AA6E4}">
-                <adec:decorative xmlns:adec="http://schemas.microsoft.com/office/drawing/2017/decorative" val="1"/>
+                <adec:decorative xmlns:adec="http://schemas.microsoft.com/office/drawing/2017/decorative" xmlns="" val="1"/>
               </a:ext>
             </a:extLst>
           </p:cNvPr>
@@ -11358,7 +11377,7 @@
                 <a16:creationId xmlns:a16="http://schemas.microsoft.com/office/drawing/2014/main" id="{5D2B17EF-74EB-4C33-B2E2-8E727B2E7D68}"/>
               </a:ext>
               <a:ext uri="{C183D7F6-B498-43B3-948B-1728B52AA6E4}">
-                <adec:decorative xmlns:adec="http://schemas.microsoft.com/office/drawing/2017/decorative" val="1"/>
+                <adec:decorative xmlns:adec="http://schemas.microsoft.com/office/drawing/2017/decorative" xmlns="" val="1"/>
               </a:ext>
             </a:extLst>
           </p:cNvPr>
@@ -11394,7 +11413,7 @@
                   <a16:creationId xmlns:a16="http://schemas.microsoft.com/office/drawing/2014/main" id="{0A5F1F8A-3206-4B86-883F-65E98BB6E475}"/>
                 </a:ext>
                 <a:ext uri="{C183D7F6-B498-43B3-948B-1728B52AA6E4}">
-                  <adec:decorative xmlns:adec="http://schemas.microsoft.com/office/drawing/2017/decorative" val="1"/>
+                  <adec:decorative xmlns:adec="http://schemas.microsoft.com/office/drawing/2017/decorative" xmlns="" val="1"/>
                 </a:ext>
               </a:extLst>
             </p:cNvPr>
@@ -11466,7 +11485,7 @@
                   <a16:creationId xmlns:a16="http://schemas.microsoft.com/office/drawing/2014/main" id="{6935F8C7-CC88-4243-9786-F3CDBF04A09F}"/>
                 </a:ext>
                 <a:ext uri="{C183D7F6-B498-43B3-948B-1728B52AA6E4}">
-                  <adec:decorative xmlns:adec="http://schemas.microsoft.com/office/drawing/2017/decorative" val="1"/>
+                  <adec:decorative xmlns:adec="http://schemas.microsoft.com/office/drawing/2017/decorative" xmlns="" val="1"/>
                 </a:ext>
               </a:extLst>
             </p:cNvPr>
@@ -11543,7 +11562,7 @@
                   <a16:creationId xmlns:a16="http://schemas.microsoft.com/office/drawing/2014/main" id="{9AF7BAD9-71B3-40D8-A089-EFF7FE67BD66}"/>
                 </a:ext>
                 <a:ext uri="{C183D7F6-B498-43B3-948B-1728B52AA6E4}">
-                  <adec:decorative xmlns:adec="http://schemas.microsoft.com/office/drawing/2017/decorative" val="1"/>
+                  <adec:decorative xmlns:adec="http://schemas.microsoft.com/office/drawing/2017/decorative" xmlns="" val="1"/>
                 </a:ext>
               </a:extLst>
             </p:cNvPr>
@@ -11625,7 +11644,7 @@
                   <a16:creationId xmlns:a16="http://schemas.microsoft.com/office/drawing/2014/main" id="{6467094F-AEF0-4D3B-BB76-8B3C1F08B937}"/>
                 </a:ext>
                 <a:ext uri="{C183D7F6-B498-43B3-948B-1728B52AA6E4}">
-                  <adec:decorative xmlns:adec="http://schemas.microsoft.com/office/drawing/2017/decorative" val="1"/>
+                  <adec:decorative xmlns:adec="http://schemas.microsoft.com/office/drawing/2017/decorative" xmlns="" val="1"/>
                 </a:ext>
               </a:extLst>
             </p:cNvPr>
@@ -11687,7 +11706,7 @@
                   <a16:creationId xmlns:a16="http://schemas.microsoft.com/office/drawing/2014/main" id="{36F56AF9-DEF1-44E7-BF42-6AAC1AA9D19D}"/>
                 </a:ext>
                 <a:ext uri="{C183D7F6-B498-43B3-948B-1728B52AA6E4}">
-                  <adec:decorative xmlns:adec="http://schemas.microsoft.com/office/drawing/2017/decorative" val="1"/>
+                  <adec:decorative xmlns:adec="http://schemas.microsoft.com/office/drawing/2017/decorative" xmlns="" val="1"/>
                 </a:ext>
               </a:extLst>
             </p:cNvPr>
@@ -11784,7 +11803,7 @@
                   <a16:creationId xmlns:a16="http://schemas.microsoft.com/office/drawing/2014/main" id="{A43EBE71-20BA-4A40-A513-516678089D11}"/>
                 </a:ext>
                 <a:ext uri="{C183D7F6-B498-43B3-948B-1728B52AA6E4}">
-                  <adec:decorative xmlns:adec="http://schemas.microsoft.com/office/drawing/2017/decorative" val="1"/>
+                  <adec:decorative xmlns:adec="http://schemas.microsoft.com/office/drawing/2017/decorative" xmlns="" val="1"/>
                 </a:ext>
               </a:extLst>
             </p:cNvPr>
@@ -11876,7 +11895,7 @@
                   <a16:creationId xmlns:a16="http://schemas.microsoft.com/office/drawing/2014/main" id="{1DB39648-7B38-4D0B-93C5-048EC4A45C99}"/>
                 </a:ext>
                 <a:ext uri="{C183D7F6-B498-43B3-948B-1728B52AA6E4}">
-                  <adec:decorative xmlns:adec="http://schemas.microsoft.com/office/drawing/2017/decorative" val="1"/>
+                  <adec:decorative xmlns:adec="http://schemas.microsoft.com/office/drawing/2017/decorative" xmlns="" val="1"/>
                 </a:ext>
               </a:extLst>
             </p:cNvPr>
@@ -11948,7 +11967,7 @@
                   <a16:creationId xmlns:a16="http://schemas.microsoft.com/office/drawing/2014/main" id="{8DD2661F-DE5F-45EA-B30B-7C6589638836}"/>
                 </a:ext>
                 <a:ext uri="{C183D7F6-B498-43B3-948B-1728B52AA6E4}">
-                  <adec:decorative xmlns:adec="http://schemas.microsoft.com/office/drawing/2017/decorative" val="1"/>
+                  <adec:decorative xmlns:adec="http://schemas.microsoft.com/office/drawing/2017/decorative" xmlns="" val="1"/>
                 </a:ext>
               </a:extLst>
             </p:cNvPr>
@@ -12040,7 +12059,7 @@
                   <a16:creationId xmlns:a16="http://schemas.microsoft.com/office/drawing/2014/main" id="{ABF0A0E5-E68E-4183-A913-228692FD85EC}"/>
                 </a:ext>
                 <a:ext uri="{C183D7F6-B498-43B3-948B-1728B52AA6E4}">
-                  <adec:decorative xmlns:adec="http://schemas.microsoft.com/office/drawing/2017/decorative" val="1"/>
+                  <adec:decorative xmlns:adec="http://schemas.microsoft.com/office/drawing/2017/decorative" xmlns="" val="1"/>
                 </a:ext>
               </a:extLst>
             </p:cNvPr>
@@ -12167,7 +12186,7 @@
                   <a16:creationId xmlns:a16="http://schemas.microsoft.com/office/drawing/2014/main" id="{615D8F55-8ACD-4EFE-A832-06E785479EA5}"/>
                 </a:ext>
                 <a:ext uri="{C183D7F6-B498-43B3-948B-1728B52AA6E4}">
-                  <adec:decorative xmlns:adec="http://schemas.microsoft.com/office/drawing/2017/decorative" val="1"/>
+                  <adec:decorative xmlns:adec="http://schemas.microsoft.com/office/drawing/2017/decorative" xmlns="" val="1"/>
                 </a:ext>
               </a:extLst>
             </p:cNvPr>
@@ -12229,7 +12248,7 @@
                   <a16:creationId xmlns:a16="http://schemas.microsoft.com/office/drawing/2014/main" id="{0FDF4201-8CEC-474B-A6B1-88039B70416F}"/>
                 </a:ext>
                 <a:ext uri="{C183D7F6-B498-43B3-948B-1728B52AA6E4}">
-                  <adec:decorative xmlns:adec="http://schemas.microsoft.com/office/drawing/2017/decorative" val="1"/>
+                  <adec:decorative xmlns:adec="http://schemas.microsoft.com/office/drawing/2017/decorative" xmlns="" val="1"/>
                 </a:ext>
               </a:extLst>
             </p:cNvPr>
@@ -12301,7 +12320,7 @@
                   <a16:creationId xmlns:a16="http://schemas.microsoft.com/office/drawing/2014/main" id="{0F60AEA4-B25F-417E-93FC-59686DFBE56E}"/>
                 </a:ext>
                 <a:ext uri="{C183D7F6-B498-43B3-948B-1728B52AA6E4}">
-                  <adec:decorative xmlns:adec="http://schemas.microsoft.com/office/drawing/2017/decorative" val="1"/>
+                  <adec:decorative xmlns:adec="http://schemas.microsoft.com/office/drawing/2017/decorative" xmlns="" val="1"/>
                 </a:ext>
               </a:extLst>
             </p:cNvPr>
@@ -12518,6 +12537,13 @@
   <p:clrMapOvr>
     <a:masterClrMapping/>
   </p:clrMapOvr>
+  <p:timing>
+    <p:tnLst>
+      <p:par>
+        <p:cTn id="1" dur="indefinite" restart="never" nodeType="tmRoot"/>
+      </p:par>
+    </p:tnLst>
+  </p:timing>
 </p:sld>
 </file>
 
@@ -12554,7 +12580,7 @@
                 <a16:creationId xmlns:a16="http://schemas.microsoft.com/office/drawing/2014/main" id="{CD306B45-25EE-434D-ABA9-A27B79320CFF}"/>
               </a:ext>
               <a:ext uri="{C183D7F6-B498-43B3-948B-1728B52AA6E4}">
-                <adec:decorative xmlns:adec="http://schemas.microsoft.com/office/drawing/2017/decorative" val="1"/>
+                <adec:decorative xmlns:adec="http://schemas.microsoft.com/office/drawing/2017/decorative" xmlns="" val="1"/>
               </a:ext>
             </a:extLst>
           </p:cNvPr>
@@ -12655,7 +12681,7 @@
                 <a16:creationId xmlns:a16="http://schemas.microsoft.com/office/drawing/2014/main" id="{0A42F85E-4939-431E-8B4A-EC07C8E0AB65}"/>
               </a:ext>
               <a:ext uri="{C183D7F6-B498-43B3-948B-1728B52AA6E4}">
-                <adec:decorative xmlns:adec="http://schemas.microsoft.com/office/drawing/2017/decorative" val="1"/>
+                <adec:decorative xmlns:adec="http://schemas.microsoft.com/office/drawing/2017/decorative" xmlns="" val="1"/>
               </a:ext>
             </a:extLst>
           </p:cNvPr>
@@ -12709,7 +12735,7 @@
                 <a16:creationId xmlns:a16="http://schemas.microsoft.com/office/drawing/2014/main" id="{27EBB3F9-D6F7-4F6A-8843-9FEBA15E4969}"/>
               </a:ext>
               <a:ext uri="{C183D7F6-B498-43B3-948B-1728B52AA6E4}">
-                <adec:decorative xmlns:adec="http://schemas.microsoft.com/office/drawing/2017/decorative" val="1"/>
+                <adec:decorative xmlns:adec="http://schemas.microsoft.com/office/drawing/2017/decorative" xmlns="" val="1"/>
               </a:ext>
             </a:extLst>
           </p:cNvPr>
@@ -12761,7 +12787,7 @@
                 <a16:creationId xmlns:a16="http://schemas.microsoft.com/office/drawing/2014/main" id="{5D2B17EF-74EB-4C33-B2E2-8E727B2E7D68}"/>
               </a:ext>
               <a:ext uri="{C183D7F6-B498-43B3-948B-1728B52AA6E4}">
-                <adec:decorative xmlns:adec="http://schemas.microsoft.com/office/drawing/2017/decorative" val="1"/>
+                <adec:decorative xmlns:adec="http://schemas.microsoft.com/office/drawing/2017/decorative" xmlns="" val="1"/>
               </a:ext>
             </a:extLst>
           </p:cNvPr>
@@ -12797,7 +12823,7 @@
                   <a16:creationId xmlns:a16="http://schemas.microsoft.com/office/drawing/2014/main" id="{0A5F1F8A-3206-4B86-883F-65E98BB6E475}"/>
                 </a:ext>
                 <a:ext uri="{C183D7F6-B498-43B3-948B-1728B52AA6E4}">
-                  <adec:decorative xmlns:adec="http://schemas.microsoft.com/office/drawing/2017/decorative" val="1"/>
+                  <adec:decorative xmlns:adec="http://schemas.microsoft.com/office/drawing/2017/decorative" xmlns="" val="1"/>
                 </a:ext>
               </a:extLst>
             </p:cNvPr>
@@ -12869,7 +12895,7 @@
                   <a16:creationId xmlns:a16="http://schemas.microsoft.com/office/drawing/2014/main" id="{6935F8C7-CC88-4243-9786-F3CDBF04A09F}"/>
                 </a:ext>
                 <a:ext uri="{C183D7F6-B498-43B3-948B-1728B52AA6E4}">
-                  <adec:decorative xmlns:adec="http://schemas.microsoft.com/office/drawing/2017/decorative" val="1"/>
+                  <adec:decorative xmlns:adec="http://schemas.microsoft.com/office/drawing/2017/decorative" xmlns="" val="1"/>
                 </a:ext>
               </a:extLst>
             </p:cNvPr>
@@ -12946,7 +12972,7 @@
                   <a16:creationId xmlns:a16="http://schemas.microsoft.com/office/drawing/2014/main" id="{9AF7BAD9-71B3-40D8-A089-EFF7FE67BD66}"/>
                 </a:ext>
                 <a:ext uri="{C183D7F6-B498-43B3-948B-1728B52AA6E4}">
-                  <adec:decorative xmlns:adec="http://schemas.microsoft.com/office/drawing/2017/decorative" val="1"/>
+                  <adec:decorative xmlns:adec="http://schemas.microsoft.com/office/drawing/2017/decorative" xmlns="" val="1"/>
                 </a:ext>
               </a:extLst>
             </p:cNvPr>
@@ -13028,7 +13054,7 @@
                   <a16:creationId xmlns:a16="http://schemas.microsoft.com/office/drawing/2014/main" id="{6467094F-AEF0-4D3B-BB76-8B3C1F08B937}"/>
                 </a:ext>
                 <a:ext uri="{C183D7F6-B498-43B3-948B-1728B52AA6E4}">
-                  <adec:decorative xmlns:adec="http://schemas.microsoft.com/office/drawing/2017/decorative" val="1"/>
+                  <adec:decorative xmlns:adec="http://schemas.microsoft.com/office/drawing/2017/decorative" xmlns="" val="1"/>
                 </a:ext>
               </a:extLst>
             </p:cNvPr>
@@ -13090,7 +13116,7 @@
                   <a16:creationId xmlns:a16="http://schemas.microsoft.com/office/drawing/2014/main" id="{36F56AF9-DEF1-44E7-BF42-6AAC1AA9D19D}"/>
                 </a:ext>
                 <a:ext uri="{C183D7F6-B498-43B3-948B-1728B52AA6E4}">
-                  <adec:decorative xmlns:adec="http://schemas.microsoft.com/office/drawing/2017/decorative" val="1"/>
+                  <adec:decorative xmlns:adec="http://schemas.microsoft.com/office/drawing/2017/decorative" xmlns="" val="1"/>
                 </a:ext>
               </a:extLst>
             </p:cNvPr>
@@ -13187,7 +13213,7 @@
                   <a16:creationId xmlns:a16="http://schemas.microsoft.com/office/drawing/2014/main" id="{A43EBE71-20BA-4A40-A513-516678089D11}"/>
                 </a:ext>
                 <a:ext uri="{C183D7F6-B498-43B3-948B-1728B52AA6E4}">
-                  <adec:decorative xmlns:adec="http://schemas.microsoft.com/office/drawing/2017/decorative" val="1"/>
+                  <adec:decorative xmlns:adec="http://schemas.microsoft.com/office/drawing/2017/decorative" xmlns="" val="1"/>
                 </a:ext>
               </a:extLst>
             </p:cNvPr>
@@ -13279,7 +13305,7 @@
                   <a16:creationId xmlns:a16="http://schemas.microsoft.com/office/drawing/2014/main" id="{1DB39648-7B38-4D0B-93C5-048EC4A45C99}"/>
                 </a:ext>
                 <a:ext uri="{C183D7F6-B498-43B3-948B-1728B52AA6E4}">
-                  <adec:decorative xmlns:adec="http://schemas.microsoft.com/office/drawing/2017/decorative" val="1"/>
+                  <adec:decorative xmlns:adec="http://schemas.microsoft.com/office/drawing/2017/decorative" xmlns="" val="1"/>
                 </a:ext>
               </a:extLst>
             </p:cNvPr>
@@ -13351,7 +13377,7 @@
                   <a16:creationId xmlns:a16="http://schemas.microsoft.com/office/drawing/2014/main" id="{8DD2661F-DE5F-45EA-B30B-7C6589638836}"/>
                 </a:ext>
                 <a:ext uri="{C183D7F6-B498-43B3-948B-1728B52AA6E4}">
-                  <adec:decorative xmlns:adec="http://schemas.microsoft.com/office/drawing/2017/decorative" val="1"/>
+                  <adec:decorative xmlns:adec="http://schemas.microsoft.com/office/drawing/2017/decorative" xmlns="" val="1"/>
                 </a:ext>
               </a:extLst>
             </p:cNvPr>
@@ -13443,7 +13469,7 @@
                   <a16:creationId xmlns:a16="http://schemas.microsoft.com/office/drawing/2014/main" id="{ABF0A0E5-E68E-4183-A913-228692FD85EC}"/>
                 </a:ext>
                 <a:ext uri="{C183D7F6-B498-43B3-948B-1728B52AA6E4}">
-                  <adec:decorative xmlns:adec="http://schemas.microsoft.com/office/drawing/2017/decorative" val="1"/>
+                  <adec:decorative xmlns:adec="http://schemas.microsoft.com/office/drawing/2017/decorative" xmlns="" val="1"/>
                 </a:ext>
               </a:extLst>
             </p:cNvPr>
@@ -13570,7 +13596,7 @@
                   <a16:creationId xmlns:a16="http://schemas.microsoft.com/office/drawing/2014/main" id="{615D8F55-8ACD-4EFE-A832-06E785479EA5}"/>
                 </a:ext>
                 <a:ext uri="{C183D7F6-B498-43B3-948B-1728B52AA6E4}">
-                  <adec:decorative xmlns:adec="http://schemas.microsoft.com/office/drawing/2017/decorative" val="1"/>
+                  <adec:decorative xmlns:adec="http://schemas.microsoft.com/office/drawing/2017/decorative" xmlns="" val="1"/>
                 </a:ext>
               </a:extLst>
             </p:cNvPr>
@@ -13632,7 +13658,7 @@
                   <a16:creationId xmlns:a16="http://schemas.microsoft.com/office/drawing/2014/main" id="{0FDF4201-8CEC-474B-A6B1-88039B70416F}"/>
                 </a:ext>
                 <a:ext uri="{C183D7F6-B498-43B3-948B-1728B52AA6E4}">
-                  <adec:decorative xmlns:adec="http://schemas.microsoft.com/office/drawing/2017/decorative" val="1"/>
+                  <adec:decorative xmlns:adec="http://schemas.microsoft.com/office/drawing/2017/decorative" xmlns="" val="1"/>
                 </a:ext>
               </a:extLst>
             </p:cNvPr>
@@ -13704,7 +13730,7 @@
                   <a16:creationId xmlns:a16="http://schemas.microsoft.com/office/drawing/2014/main" id="{0F60AEA4-B25F-417E-93FC-59686DFBE56E}"/>
                 </a:ext>
                 <a:ext uri="{C183D7F6-B498-43B3-948B-1728B52AA6E4}">
-                  <adec:decorative xmlns:adec="http://schemas.microsoft.com/office/drawing/2017/decorative" val="1"/>
+                  <adec:decorative xmlns:adec="http://schemas.microsoft.com/office/drawing/2017/decorative" xmlns="" val="1"/>
                 </a:ext>
               </a:extLst>
             </p:cNvPr>
@@ -13808,31 +13834,7 @@
           <a:lstStyle/>
           <a:p>
             <a:r>
-              <a:rPr lang="cs-CZ">
-                <a:solidFill>
-                  <a:schemeClr val="tx2">
-                    <a:lumMod val="75000"/>
-                  </a:schemeClr>
-                </a:solidFill>
-              </a:rPr>
-              <a:t>Učebnice Programování II. – Ing. Dana Vodičková</a:t>
-            </a:r>
-          </a:p>
-          <a:p>
-            <a:r>
-              <a:rPr lang="cs-CZ">
-                <a:solidFill>
-                  <a:schemeClr val="tx2">
-                    <a:lumMod val="75000"/>
-                  </a:schemeClr>
-                </a:solidFill>
-              </a:rPr>
-              <a:t>Pracovní sešit Programování II. – Ing. Dana Vodičková</a:t>
-            </a:r>
-          </a:p>
-          <a:p>
-            <a:r>
-              <a:rPr lang="cs-CZ">
+              <a:rPr lang="cs-CZ" dirty="0" smtClean="0">
                 <a:solidFill>
                   <a:schemeClr val="tx2">
                     <a:lumMod val="75000"/>
@@ -13841,10 +13843,17 @@
               </a:rPr>
               <a:t>Prezentace</a:t>
             </a:r>
+            <a:endParaRPr lang="cs-CZ" dirty="0">
+              <a:solidFill>
+                <a:schemeClr val="tx2">
+                  <a:lumMod val="75000"/>
+                </a:schemeClr>
+              </a:solidFill>
+            </a:endParaRPr>
           </a:p>
           <a:p>
             <a:r>
-              <a:rPr lang="cs-CZ">
+              <a:rPr lang="cs-CZ" dirty="0">
                 <a:solidFill>
                   <a:schemeClr val="tx2">
                     <a:lumMod val="75000"/>
@@ -13855,7 +13864,7 @@
             </a:r>
           </a:p>
           <a:p>
-            <a:endParaRPr lang="cs-CZ">
+            <a:endParaRPr lang="cs-CZ" dirty="0">
               <a:solidFill>
                 <a:schemeClr val="tx2">
                   <a:lumMod val="75000"/>
@@ -13865,7 +13874,7 @@
           </a:p>
           <a:p>
             <a:r>
-              <a:rPr lang="cs-CZ">
+              <a:rPr lang="cs-CZ" dirty="0">
                 <a:solidFill>
                   <a:schemeClr val="tx2">
                     <a:lumMod val="75000"/>
@@ -13878,7 +13887,7 @@
           <a:p>
             <a:pPr lvl="1"/>
             <a:r>
-              <a:rPr lang="cs-CZ">
+              <a:rPr lang="cs-CZ" dirty="0">
                 <a:solidFill>
                   <a:schemeClr val="tx2">
                     <a:lumMod val="75000"/>
@@ -13888,7 +13897,7 @@
               <a:t>Dokumentace C# - </a:t>
             </a:r>
             <a:r>
-              <a:rPr lang="cs-CZ">
+              <a:rPr lang="cs-CZ" dirty="0">
                 <a:solidFill>
                   <a:schemeClr val="tx2">
                     <a:lumMod val="75000"/>
@@ -13898,7 +13907,7 @@
               </a:rPr>
               <a:t>https://docs.microsoft.com/cs-cz/dotnet/csharp/</a:t>
             </a:r>
-            <a:endParaRPr lang="cs-CZ">
+            <a:endParaRPr lang="cs-CZ" dirty="0">
               <a:solidFill>
                 <a:schemeClr val="tx2">
                   <a:lumMod val="75000"/>
@@ -13909,17 +13918,27 @@
           <a:p>
             <a:pPr lvl="1"/>
             <a:r>
-              <a:rPr lang="cs-CZ">
+              <a:rPr lang="cs-CZ" dirty="0" err="1">
                 <a:solidFill>
                   <a:schemeClr val="tx2">
                     <a:lumMod val="75000"/>
                   </a:schemeClr>
                 </a:solidFill>
               </a:rPr>
-              <a:t>Sololearn - </a:t>
+              <a:t>Sololearn</a:t>
             </a:r>
             <a:r>
-              <a:rPr lang="cs-CZ">
+              <a:rPr lang="cs-CZ" dirty="0">
+                <a:solidFill>
+                  <a:schemeClr val="tx2">
+                    <a:lumMod val="75000"/>
+                  </a:schemeClr>
+                </a:solidFill>
+              </a:rPr>
+              <a:t> - </a:t>
+            </a:r>
+            <a:r>
+              <a:rPr lang="cs-CZ" dirty="0">
                 <a:solidFill>
                   <a:schemeClr val="tx2">
                     <a:lumMod val="75000"/>
@@ -13929,7 +13948,7 @@
               </a:rPr>
               <a:t>https://www.sololearn.com/learning/1080</a:t>
             </a:r>
-            <a:endParaRPr lang="cs-CZ">
+            <a:endParaRPr lang="cs-CZ" dirty="0">
               <a:solidFill>
                 <a:schemeClr val="tx2">
                   <a:lumMod val="75000"/>
@@ -13949,6 +13968,13 @@
   <p:clrMapOvr>
     <a:masterClrMapping/>
   </p:clrMapOvr>
+  <p:timing>
+    <p:tnLst>
+      <p:par>
+        <p:cTn id="1" dur="indefinite" restart="never" nodeType="tmRoot"/>
+      </p:par>
+    </p:tnLst>
+  </p:timing>
 </p:sld>
 </file>
 
@@ -13985,7 +14011,7 @@
                 <a16:creationId xmlns:a16="http://schemas.microsoft.com/office/drawing/2014/main" id="{CD306B45-25EE-434D-ABA9-A27B79320CFF}"/>
               </a:ext>
               <a:ext uri="{C183D7F6-B498-43B3-948B-1728B52AA6E4}">
-                <adec:decorative xmlns:adec="http://schemas.microsoft.com/office/drawing/2017/decorative" val="1"/>
+                <adec:decorative xmlns:adec="http://schemas.microsoft.com/office/drawing/2017/decorative" xmlns="" val="1"/>
               </a:ext>
             </a:extLst>
           </p:cNvPr>
@@ -14086,7 +14112,7 @@
                 <a16:creationId xmlns:a16="http://schemas.microsoft.com/office/drawing/2014/main" id="{0A42F85E-4939-431E-8B4A-EC07C8E0AB65}"/>
               </a:ext>
               <a:ext uri="{C183D7F6-B498-43B3-948B-1728B52AA6E4}">
-                <adec:decorative xmlns:adec="http://schemas.microsoft.com/office/drawing/2017/decorative" val="1"/>
+                <adec:decorative xmlns:adec="http://schemas.microsoft.com/office/drawing/2017/decorative" xmlns="" val="1"/>
               </a:ext>
             </a:extLst>
           </p:cNvPr>
@@ -14140,7 +14166,7 @@
                 <a16:creationId xmlns:a16="http://schemas.microsoft.com/office/drawing/2014/main" id="{27EBB3F9-D6F7-4F6A-8843-9FEBA15E4969}"/>
               </a:ext>
               <a:ext uri="{C183D7F6-B498-43B3-948B-1728B52AA6E4}">
-                <adec:decorative xmlns:adec="http://schemas.microsoft.com/office/drawing/2017/decorative" val="1"/>
+                <adec:decorative xmlns:adec="http://schemas.microsoft.com/office/drawing/2017/decorative" xmlns="" val="1"/>
               </a:ext>
             </a:extLst>
           </p:cNvPr>
@@ -14192,7 +14218,7 @@
                 <a16:creationId xmlns:a16="http://schemas.microsoft.com/office/drawing/2014/main" id="{5D2B17EF-74EB-4C33-B2E2-8E727B2E7D68}"/>
               </a:ext>
               <a:ext uri="{C183D7F6-B498-43B3-948B-1728B52AA6E4}">
-                <adec:decorative xmlns:adec="http://schemas.microsoft.com/office/drawing/2017/decorative" val="1"/>
+                <adec:decorative xmlns:adec="http://schemas.microsoft.com/office/drawing/2017/decorative" xmlns="" val="1"/>
               </a:ext>
             </a:extLst>
           </p:cNvPr>
@@ -14228,7 +14254,7 @@
                   <a16:creationId xmlns:a16="http://schemas.microsoft.com/office/drawing/2014/main" id="{0A5F1F8A-3206-4B86-883F-65E98BB6E475}"/>
                 </a:ext>
                 <a:ext uri="{C183D7F6-B498-43B3-948B-1728B52AA6E4}">
-                  <adec:decorative xmlns:adec="http://schemas.microsoft.com/office/drawing/2017/decorative" val="1"/>
+                  <adec:decorative xmlns:adec="http://schemas.microsoft.com/office/drawing/2017/decorative" xmlns="" val="1"/>
                 </a:ext>
               </a:extLst>
             </p:cNvPr>
@@ -14300,7 +14326,7 @@
                   <a16:creationId xmlns:a16="http://schemas.microsoft.com/office/drawing/2014/main" id="{6935F8C7-CC88-4243-9786-F3CDBF04A09F}"/>
                 </a:ext>
                 <a:ext uri="{C183D7F6-B498-43B3-948B-1728B52AA6E4}">
-                  <adec:decorative xmlns:adec="http://schemas.microsoft.com/office/drawing/2017/decorative" val="1"/>
+                  <adec:decorative xmlns:adec="http://schemas.microsoft.com/office/drawing/2017/decorative" xmlns="" val="1"/>
                 </a:ext>
               </a:extLst>
             </p:cNvPr>
@@ -14377,7 +14403,7 @@
                   <a16:creationId xmlns:a16="http://schemas.microsoft.com/office/drawing/2014/main" id="{9AF7BAD9-71B3-40D8-A089-EFF7FE67BD66}"/>
                 </a:ext>
                 <a:ext uri="{C183D7F6-B498-43B3-948B-1728B52AA6E4}">
-                  <adec:decorative xmlns:adec="http://schemas.microsoft.com/office/drawing/2017/decorative" val="1"/>
+                  <adec:decorative xmlns:adec="http://schemas.microsoft.com/office/drawing/2017/decorative" xmlns="" val="1"/>
                 </a:ext>
               </a:extLst>
             </p:cNvPr>
@@ -14459,7 +14485,7 @@
                   <a16:creationId xmlns:a16="http://schemas.microsoft.com/office/drawing/2014/main" id="{6467094F-AEF0-4D3B-BB76-8B3C1F08B937}"/>
                 </a:ext>
                 <a:ext uri="{C183D7F6-B498-43B3-948B-1728B52AA6E4}">
-                  <adec:decorative xmlns:adec="http://schemas.microsoft.com/office/drawing/2017/decorative" val="1"/>
+                  <adec:decorative xmlns:adec="http://schemas.microsoft.com/office/drawing/2017/decorative" xmlns="" val="1"/>
                 </a:ext>
               </a:extLst>
             </p:cNvPr>
@@ -14521,7 +14547,7 @@
                   <a16:creationId xmlns:a16="http://schemas.microsoft.com/office/drawing/2014/main" id="{36F56AF9-DEF1-44E7-BF42-6AAC1AA9D19D}"/>
                 </a:ext>
                 <a:ext uri="{C183D7F6-B498-43B3-948B-1728B52AA6E4}">
-                  <adec:decorative xmlns:adec="http://schemas.microsoft.com/office/drawing/2017/decorative" val="1"/>
+                  <adec:decorative xmlns:adec="http://schemas.microsoft.com/office/drawing/2017/decorative" xmlns="" val="1"/>
                 </a:ext>
               </a:extLst>
             </p:cNvPr>
@@ -14618,7 +14644,7 @@
                   <a16:creationId xmlns:a16="http://schemas.microsoft.com/office/drawing/2014/main" id="{A43EBE71-20BA-4A40-A513-516678089D11}"/>
                 </a:ext>
                 <a:ext uri="{C183D7F6-B498-43B3-948B-1728B52AA6E4}">
-                  <adec:decorative xmlns:adec="http://schemas.microsoft.com/office/drawing/2017/decorative" val="1"/>
+                  <adec:decorative xmlns:adec="http://schemas.microsoft.com/office/drawing/2017/decorative" xmlns="" val="1"/>
                 </a:ext>
               </a:extLst>
             </p:cNvPr>
@@ -14710,7 +14736,7 @@
                   <a16:creationId xmlns:a16="http://schemas.microsoft.com/office/drawing/2014/main" id="{1DB39648-7B38-4D0B-93C5-048EC4A45C99}"/>
                 </a:ext>
                 <a:ext uri="{C183D7F6-B498-43B3-948B-1728B52AA6E4}">
-                  <adec:decorative xmlns:adec="http://schemas.microsoft.com/office/drawing/2017/decorative" val="1"/>
+                  <adec:decorative xmlns:adec="http://schemas.microsoft.com/office/drawing/2017/decorative" xmlns="" val="1"/>
                 </a:ext>
               </a:extLst>
             </p:cNvPr>
@@ -14782,7 +14808,7 @@
                   <a16:creationId xmlns:a16="http://schemas.microsoft.com/office/drawing/2014/main" id="{8DD2661F-DE5F-45EA-B30B-7C6589638836}"/>
                 </a:ext>
                 <a:ext uri="{C183D7F6-B498-43B3-948B-1728B52AA6E4}">
-                  <adec:decorative xmlns:adec="http://schemas.microsoft.com/office/drawing/2017/decorative" val="1"/>
+                  <adec:decorative xmlns:adec="http://schemas.microsoft.com/office/drawing/2017/decorative" xmlns="" val="1"/>
                 </a:ext>
               </a:extLst>
             </p:cNvPr>
@@ -14874,7 +14900,7 @@
                   <a16:creationId xmlns:a16="http://schemas.microsoft.com/office/drawing/2014/main" id="{ABF0A0E5-E68E-4183-A913-228692FD85EC}"/>
                 </a:ext>
                 <a:ext uri="{C183D7F6-B498-43B3-948B-1728B52AA6E4}">
-                  <adec:decorative xmlns:adec="http://schemas.microsoft.com/office/drawing/2017/decorative" val="1"/>
+                  <adec:decorative xmlns:adec="http://schemas.microsoft.com/office/drawing/2017/decorative" xmlns="" val="1"/>
                 </a:ext>
               </a:extLst>
             </p:cNvPr>
@@ -15001,7 +15027,7 @@
                   <a16:creationId xmlns:a16="http://schemas.microsoft.com/office/drawing/2014/main" id="{615D8F55-8ACD-4EFE-A832-06E785479EA5}"/>
                 </a:ext>
                 <a:ext uri="{C183D7F6-B498-43B3-948B-1728B52AA6E4}">
-                  <adec:decorative xmlns:adec="http://schemas.microsoft.com/office/drawing/2017/decorative" val="1"/>
+                  <adec:decorative xmlns:adec="http://schemas.microsoft.com/office/drawing/2017/decorative" xmlns="" val="1"/>
                 </a:ext>
               </a:extLst>
             </p:cNvPr>
@@ -15063,7 +15089,7 @@
                   <a16:creationId xmlns:a16="http://schemas.microsoft.com/office/drawing/2014/main" id="{0FDF4201-8CEC-474B-A6B1-88039B70416F}"/>
                 </a:ext>
                 <a:ext uri="{C183D7F6-B498-43B3-948B-1728B52AA6E4}">
-                  <adec:decorative xmlns:adec="http://schemas.microsoft.com/office/drawing/2017/decorative" val="1"/>
+                  <adec:decorative xmlns:adec="http://schemas.microsoft.com/office/drawing/2017/decorative" xmlns="" val="1"/>
                 </a:ext>
               </a:extLst>
             </p:cNvPr>
@@ -15135,7 +15161,7 @@
                   <a16:creationId xmlns:a16="http://schemas.microsoft.com/office/drawing/2014/main" id="{0F60AEA4-B25F-417E-93FC-59686DFBE56E}"/>
                 </a:ext>
                 <a:ext uri="{C183D7F6-B498-43B3-948B-1728B52AA6E4}">
-                  <adec:decorative xmlns:adec="http://schemas.microsoft.com/office/drawing/2017/decorative" val="1"/>
+                  <adec:decorative xmlns:adec="http://schemas.microsoft.com/office/drawing/2017/decorative" xmlns="" val="1"/>
                 </a:ext>
               </a:extLst>
             </p:cNvPr>
@@ -15386,6 +15412,13 @@
   <p:clrMapOvr>
     <a:masterClrMapping/>
   </p:clrMapOvr>
+  <p:timing>
+    <p:tnLst>
+      <p:par>
+        <p:cTn id="1" dur="indefinite" restart="never" nodeType="tmRoot"/>
+      </p:par>
+    </p:tnLst>
+  </p:timing>
 </p:sld>
 </file>
 
@@ -15422,7 +15455,7 @@
                 <a16:creationId xmlns:a16="http://schemas.microsoft.com/office/drawing/2014/main" id="{CD306B45-25EE-434D-ABA9-A27B79320CFF}"/>
               </a:ext>
               <a:ext uri="{C183D7F6-B498-43B3-948B-1728B52AA6E4}">
-                <adec:decorative xmlns:adec="http://schemas.microsoft.com/office/drawing/2017/decorative" val="1"/>
+                <adec:decorative xmlns:adec="http://schemas.microsoft.com/office/drawing/2017/decorative" xmlns="" val="1"/>
               </a:ext>
             </a:extLst>
           </p:cNvPr>
@@ -15523,7 +15556,7 @@
                 <a16:creationId xmlns:a16="http://schemas.microsoft.com/office/drawing/2014/main" id="{0A42F85E-4939-431E-8B4A-EC07C8E0AB65}"/>
               </a:ext>
               <a:ext uri="{C183D7F6-B498-43B3-948B-1728B52AA6E4}">
-                <adec:decorative xmlns:adec="http://schemas.microsoft.com/office/drawing/2017/decorative" val="1"/>
+                <adec:decorative xmlns:adec="http://schemas.microsoft.com/office/drawing/2017/decorative" xmlns="" val="1"/>
               </a:ext>
             </a:extLst>
           </p:cNvPr>
@@ -15577,7 +15610,7 @@
                 <a16:creationId xmlns:a16="http://schemas.microsoft.com/office/drawing/2014/main" id="{27EBB3F9-D6F7-4F6A-8843-9FEBA15E4969}"/>
               </a:ext>
               <a:ext uri="{C183D7F6-B498-43B3-948B-1728B52AA6E4}">
-                <adec:decorative xmlns:adec="http://schemas.microsoft.com/office/drawing/2017/decorative" val="1"/>
+                <adec:decorative xmlns:adec="http://schemas.microsoft.com/office/drawing/2017/decorative" xmlns="" val="1"/>
               </a:ext>
             </a:extLst>
           </p:cNvPr>
@@ -15629,7 +15662,7 @@
                 <a16:creationId xmlns:a16="http://schemas.microsoft.com/office/drawing/2014/main" id="{5D2B17EF-74EB-4C33-B2E2-8E727B2E7D68}"/>
               </a:ext>
               <a:ext uri="{C183D7F6-B498-43B3-948B-1728B52AA6E4}">
-                <adec:decorative xmlns:adec="http://schemas.microsoft.com/office/drawing/2017/decorative" val="1"/>
+                <adec:decorative xmlns:adec="http://schemas.microsoft.com/office/drawing/2017/decorative" xmlns="" val="1"/>
               </a:ext>
             </a:extLst>
           </p:cNvPr>
@@ -15665,7 +15698,7 @@
                   <a16:creationId xmlns:a16="http://schemas.microsoft.com/office/drawing/2014/main" id="{0A5F1F8A-3206-4B86-883F-65E98BB6E475}"/>
                 </a:ext>
                 <a:ext uri="{C183D7F6-B498-43B3-948B-1728B52AA6E4}">
-                  <adec:decorative xmlns:adec="http://schemas.microsoft.com/office/drawing/2017/decorative" val="1"/>
+                  <adec:decorative xmlns:adec="http://schemas.microsoft.com/office/drawing/2017/decorative" xmlns="" val="1"/>
                 </a:ext>
               </a:extLst>
             </p:cNvPr>
@@ -15737,7 +15770,7 @@
                   <a16:creationId xmlns:a16="http://schemas.microsoft.com/office/drawing/2014/main" id="{6935F8C7-CC88-4243-9786-F3CDBF04A09F}"/>
                 </a:ext>
                 <a:ext uri="{C183D7F6-B498-43B3-948B-1728B52AA6E4}">
-                  <adec:decorative xmlns:adec="http://schemas.microsoft.com/office/drawing/2017/decorative" val="1"/>
+                  <adec:decorative xmlns:adec="http://schemas.microsoft.com/office/drawing/2017/decorative" xmlns="" val="1"/>
                 </a:ext>
               </a:extLst>
             </p:cNvPr>
@@ -15814,7 +15847,7 @@
                   <a16:creationId xmlns:a16="http://schemas.microsoft.com/office/drawing/2014/main" id="{9AF7BAD9-71B3-40D8-A089-EFF7FE67BD66}"/>
                 </a:ext>
                 <a:ext uri="{C183D7F6-B498-43B3-948B-1728B52AA6E4}">
-                  <adec:decorative xmlns:adec="http://schemas.microsoft.com/office/drawing/2017/decorative" val="1"/>
+                  <adec:decorative xmlns:adec="http://schemas.microsoft.com/office/drawing/2017/decorative" xmlns="" val="1"/>
                 </a:ext>
               </a:extLst>
             </p:cNvPr>
@@ -15896,7 +15929,7 @@
                   <a16:creationId xmlns:a16="http://schemas.microsoft.com/office/drawing/2014/main" id="{6467094F-AEF0-4D3B-BB76-8B3C1F08B937}"/>
                 </a:ext>
                 <a:ext uri="{C183D7F6-B498-43B3-948B-1728B52AA6E4}">
-                  <adec:decorative xmlns:adec="http://schemas.microsoft.com/office/drawing/2017/decorative" val="1"/>
+                  <adec:decorative xmlns:adec="http://schemas.microsoft.com/office/drawing/2017/decorative" xmlns="" val="1"/>
                 </a:ext>
               </a:extLst>
             </p:cNvPr>
@@ -15958,7 +15991,7 @@
                   <a16:creationId xmlns:a16="http://schemas.microsoft.com/office/drawing/2014/main" id="{36F56AF9-DEF1-44E7-BF42-6AAC1AA9D19D}"/>
                 </a:ext>
                 <a:ext uri="{C183D7F6-B498-43B3-948B-1728B52AA6E4}">
-                  <adec:decorative xmlns:adec="http://schemas.microsoft.com/office/drawing/2017/decorative" val="1"/>
+                  <adec:decorative xmlns:adec="http://schemas.microsoft.com/office/drawing/2017/decorative" xmlns="" val="1"/>
                 </a:ext>
               </a:extLst>
             </p:cNvPr>
@@ -16055,7 +16088,7 @@
                   <a16:creationId xmlns:a16="http://schemas.microsoft.com/office/drawing/2014/main" id="{A43EBE71-20BA-4A40-A513-516678089D11}"/>
                 </a:ext>
                 <a:ext uri="{C183D7F6-B498-43B3-948B-1728B52AA6E4}">
-                  <adec:decorative xmlns:adec="http://schemas.microsoft.com/office/drawing/2017/decorative" val="1"/>
+                  <adec:decorative xmlns:adec="http://schemas.microsoft.com/office/drawing/2017/decorative" xmlns="" val="1"/>
                 </a:ext>
               </a:extLst>
             </p:cNvPr>
@@ -16147,7 +16180,7 @@
                   <a16:creationId xmlns:a16="http://schemas.microsoft.com/office/drawing/2014/main" id="{1DB39648-7B38-4D0B-93C5-048EC4A45C99}"/>
                 </a:ext>
                 <a:ext uri="{C183D7F6-B498-43B3-948B-1728B52AA6E4}">
-                  <adec:decorative xmlns:adec="http://schemas.microsoft.com/office/drawing/2017/decorative" val="1"/>
+                  <adec:decorative xmlns:adec="http://schemas.microsoft.com/office/drawing/2017/decorative" xmlns="" val="1"/>
                 </a:ext>
               </a:extLst>
             </p:cNvPr>
@@ -16219,7 +16252,7 @@
                   <a16:creationId xmlns:a16="http://schemas.microsoft.com/office/drawing/2014/main" id="{8DD2661F-DE5F-45EA-B30B-7C6589638836}"/>
                 </a:ext>
                 <a:ext uri="{C183D7F6-B498-43B3-948B-1728B52AA6E4}">
-                  <adec:decorative xmlns:adec="http://schemas.microsoft.com/office/drawing/2017/decorative" val="1"/>
+                  <adec:decorative xmlns:adec="http://schemas.microsoft.com/office/drawing/2017/decorative" xmlns="" val="1"/>
                 </a:ext>
               </a:extLst>
             </p:cNvPr>
@@ -16311,7 +16344,7 @@
                   <a16:creationId xmlns:a16="http://schemas.microsoft.com/office/drawing/2014/main" id="{ABF0A0E5-E68E-4183-A913-228692FD85EC}"/>
                 </a:ext>
                 <a:ext uri="{C183D7F6-B498-43B3-948B-1728B52AA6E4}">
-                  <adec:decorative xmlns:adec="http://schemas.microsoft.com/office/drawing/2017/decorative" val="1"/>
+                  <adec:decorative xmlns:adec="http://schemas.microsoft.com/office/drawing/2017/decorative" xmlns="" val="1"/>
                 </a:ext>
               </a:extLst>
             </p:cNvPr>
@@ -16438,7 +16471,7 @@
                   <a16:creationId xmlns:a16="http://schemas.microsoft.com/office/drawing/2014/main" id="{615D8F55-8ACD-4EFE-A832-06E785479EA5}"/>
                 </a:ext>
                 <a:ext uri="{C183D7F6-B498-43B3-948B-1728B52AA6E4}">
-                  <adec:decorative xmlns:adec="http://schemas.microsoft.com/office/drawing/2017/decorative" val="1"/>
+                  <adec:decorative xmlns:adec="http://schemas.microsoft.com/office/drawing/2017/decorative" xmlns="" val="1"/>
                 </a:ext>
               </a:extLst>
             </p:cNvPr>
@@ -16500,7 +16533,7 @@
                   <a16:creationId xmlns:a16="http://schemas.microsoft.com/office/drawing/2014/main" id="{0FDF4201-8CEC-474B-A6B1-88039B70416F}"/>
                 </a:ext>
                 <a:ext uri="{C183D7F6-B498-43B3-948B-1728B52AA6E4}">
-                  <adec:decorative xmlns:adec="http://schemas.microsoft.com/office/drawing/2017/decorative" val="1"/>
+                  <adec:decorative xmlns:adec="http://schemas.microsoft.com/office/drawing/2017/decorative" xmlns="" val="1"/>
                 </a:ext>
               </a:extLst>
             </p:cNvPr>
@@ -16572,7 +16605,7 @@
                   <a16:creationId xmlns:a16="http://schemas.microsoft.com/office/drawing/2014/main" id="{0F60AEA4-B25F-417E-93FC-59686DFBE56E}"/>
                 </a:ext>
                 <a:ext uri="{C183D7F6-B498-43B3-948B-1728B52AA6E4}">
-                  <adec:decorative xmlns:adec="http://schemas.microsoft.com/office/drawing/2017/decorative" val="1"/>
+                  <adec:decorative xmlns:adec="http://schemas.microsoft.com/office/drawing/2017/decorative" xmlns="" val="1"/>
                 </a:ext>
               </a:extLst>
             </p:cNvPr>
@@ -16797,6 +16830,13 @@
   <p:clrMapOvr>
     <a:masterClrMapping/>
   </p:clrMapOvr>
+  <p:timing>
+    <p:tnLst>
+      <p:par>
+        <p:cTn id="1" dur="indefinite" restart="never" nodeType="tmRoot"/>
+      </p:par>
+    </p:tnLst>
+  </p:timing>
 </p:sld>
 </file>
 
@@ -17034,7 +17074,7 @@
           <p:nvPr/>
         </p:nvPicPr>
         <p:blipFill rotWithShape="1">
-          <a:blip r:embed="rId2">
+          <a:blip r:embed="rId2" cstate="hqprint">
             <a:extLst>
               <a:ext uri="{28A0092B-C50C-407E-A947-70E740481C1C}">
                 <a14:useLocalDpi xmlns:a14="http://schemas.microsoft.com/office/drawing/2010/main" val="0"/>
@@ -17169,6 +17209,13 @@
   <p:clrMapOvr>
     <a:masterClrMapping/>
   </p:clrMapOvr>
+  <p:timing>
+    <p:tnLst>
+      <p:par>
+        <p:cTn id="1" dur="indefinite" restart="never" nodeType="tmRoot"/>
+      </p:par>
+    </p:tnLst>
+  </p:timing>
 </p:sld>
 </file>
 
@@ -17205,7 +17252,7 @@
                 <a16:creationId xmlns:a16="http://schemas.microsoft.com/office/drawing/2014/main" id="{CD306B45-25EE-434D-ABA9-A27B79320CFF}"/>
               </a:ext>
               <a:ext uri="{C183D7F6-B498-43B3-948B-1728B52AA6E4}">
-                <adec:decorative xmlns:adec="http://schemas.microsoft.com/office/drawing/2017/decorative" val="1"/>
+                <adec:decorative xmlns:adec="http://schemas.microsoft.com/office/drawing/2017/decorative" xmlns="" val="1"/>
               </a:ext>
             </a:extLst>
           </p:cNvPr>
@@ -17306,7 +17353,7 @@
                 <a16:creationId xmlns:a16="http://schemas.microsoft.com/office/drawing/2014/main" id="{0A42F85E-4939-431E-8B4A-EC07C8E0AB65}"/>
               </a:ext>
               <a:ext uri="{C183D7F6-B498-43B3-948B-1728B52AA6E4}">
-                <adec:decorative xmlns:adec="http://schemas.microsoft.com/office/drawing/2017/decorative" val="1"/>
+                <adec:decorative xmlns:adec="http://schemas.microsoft.com/office/drawing/2017/decorative" xmlns="" val="1"/>
               </a:ext>
             </a:extLst>
           </p:cNvPr>
@@ -17360,7 +17407,7 @@
                 <a16:creationId xmlns:a16="http://schemas.microsoft.com/office/drawing/2014/main" id="{27EBB3F9-D6F7-4F6A-8843-9FEBA15E4969}"/>
               </a:ext>
               <a:ext uri="{C183D7F6-B498-43B3-948B-1728B52AA6E4}">
-                <adec:decorative xmlns:adec="http://schemas.microsoft.com/office/drawing/2017/decorative" val="1"/>
+                <adec:decorative xmlns:adec="http://schemas.microsoft.com/office/drawing/2017/decorative" xmlns="" val="1"/>
               </a:ext>
             </a:extLst>
           </p:cNvPr>
@@ -17412,7 +17459,7 @@
                 <a16:creationId xmlns:a16="http://schemas.microsoft.com/office/drawing/2014/main" id="{5D2B17EF-74EB-4C33-B2E2-8E727B2E7D68}"/>
               </a:ext>
               <a:ext uri="{C183D7F6-B498-43B3-948B-1728B52AA6E4}">
-                <adec:decorative xmlns:adec="http://schemas.microsoft.com/office/drawing/2017/decorative" val="1"/>
+                <adec:decorative xmlns:adec="http://schemas.microsoft.com/office/drawing/2017/decorative" xmlns="" val="1"/>
               </a:ext>
             </a:extLst>
           </p:cNvPr>
@@ -17448,7 +17495,7 @@
                   <a16:creationId xmlns:a16="http://schemas.microsoft.com/office/drawing/2014/main" id="{0A5F1F8A-3206-4B86-883F-65E98BB6E475}"/>
                 </a:ext>
                 <a:ext uri="{C183D7F6-B498-43B3-948B-1728B52AA6E4}">
-                  <adec:decorative xmlns:adec="http://schemas.microsoft.com/office/drawing/2017/decorative" val="1"/>
+                  <adec:decorative xmlns:adec="http://schemas.microsoft.com/office/drawing/2017/decorative" xmlns="" val="1"/>
                 </a:ext>
               </a:extLst>
             </p:cNvPr>
@@ -17520,7 +17567,7 @@
                   <a16:creationId xmlns:a16="http://schemas.microsoft.com/office/drawing/2014/main" id="{6935F8C7-CC88-4243-9786-F3CDBF04A09F}"/>
                 </a:ext>
                 <a:ext uri="{C183D7F6-B498-43B3-948B-1728B52AA6E4}">
-                  <adec:decorative xmlns:adec="http://schemas.microsoft.com/office/drawing/2017/decorative" val="1"/>
+                  <adec:decorative xmlns:adec="http://schemas.microsoft.com/office/drawing/2017/decorative" xmlns="" val="1"/>
                 </a:ext>
               </a:extLst>
             </p:cNvPr>
@@ -17597,7 +17644,7 @@
                   <a16:creationId xmlns:a16="http://schemas.microsoft.com/office/drawing/2014/main" id="{9AF7BAD9-71B3-40D8-A089-EFF7FE67BD66}"/>
                 </a:ext>
                 <a:ext uri="{C183D7F6-B498-43B3-948B-1728B52AA6E4}">
-                  <adec:decorative xmlns:adec="http://schemas.microsoft.com/office/drawing/2017/decorative" val="1"/>
+                  <adec:decorative xmlns:adec="http://schemas.microsoft.com/office/drawing/2017/decorative" xmlns="" val="1"/>
                 </a:ext>
               </a:extLst>
             </p:cNvPr>
@@ -17679,7 +17726,7 @@
                   <a16:creationId xmlns:a16="http://schemas.microsoft.com/office/drawing/2014/main" id="{6467094F-AEF0-4D3B-BB76-8B3C1F08B937}"/>
                 </a:ext>
                 <a:ext uri="{C183D7F6-B498-43B3-948B-1728B52AA6E4}">
-                  <adec:decorative xmlns:adec="http://schemas.microsoft.com/office/drawing/2017/decorative" val="1"/>
+                  <adec:decorative xmlns:adec="http://schemas.microsoft.com/office/drawing/2017/decorative" xmlns="" val="1"/>
                 </a:ext>
               </a:extLst>
             </p:cNvPr>
@@ -17741,7 +17788,7 @@
                   <a16:creationId xmlns:a16="http://schemas.microsoft.com/office/drawing/2014/main" id="{36F56AF9-DEF1-44E7-BF42-6AAC1AA9D19D}"/>
                 </a:ext>
                 <a:ext uri="{C183D7F6-B498-43B3-948B-1728B52AA6E4}">
-                  <adec:decorative xmlns:adec="http://schemas.microsoft.com/office/drawing/2017/decorative" val="1"/>
+                  <adec:decorative xmlns:adec="http://schemas.microsoft.com/office/drawing/2017/decorative" xmlns="" val="1"/>
                 </a:ext>
               </a:extLst>
             </p:cNvPr>
@@ -17838,7 +17885,7 @@
                   <a16:creationId xmlns:a16="http://schemas.microsoft.com/office/drawing/2014/main" id="{A43EBE71-20BA-4A40-A513-516678089D11}"/>
                 </a:ext>
                 <a:ext uri="{C183D7F6-B498-43B3-948B-1728B52AA6E4}">
-                  <adec:decorative xmlns:adec="http://schemas.microsoft.com/office/drawing/2017/decorative" val="1"/>
+                  <adec:decorative xmlns:adec="http://schemas.microsoft.com/office/drawing/2017/decorative" xmlns="" val="1"/>
                 </a:ext>
               </a:extLst>
             </p:cNvPr>
@@ -17930,7 +17977,7 @@
                   <a16:creationId xmlns:a16="http://schemas.microsoft.com/office/drawing/2014/main" id="{1DB39648-7B38-4D0B-93C5-048EC4A45C99}"/>
                 </a:ext>
                 <a:ext uri="{C183D7F6-B498-43B3-948B-1728B52AA6E4}">
-                  <adec:decorative xmlns:adec="http://schemas.microsoft.com/office/drawing/2017/decorative" val="1"/>
+                  <adec:decorative xmlns:adec="http://schemas.microsoft.com/office/drawing/2017/decorative" xmlns="" val="1"/>
                 </a:ext>
               </a:extLst>
             </p:cNvPr>
@@ -18002,7 +18049,7 @@
                   <a16:creationId xmlns:a16="http://schemas.microsoft.com/office/drawing/2014/main" id="{8DD2661F-DE5F-45EA-B30B-7C6589638836}"/>
                 </a:ext>
                 <a:ext uri="{C183D7F6-B498-43B3-948B-1728B52AA6E4}">
-                  <adec:decorative xmlns:adec="http://schemas.microsoft.com/office/drawing/2017/decorative" val="1"/>
+                  <adec:decorative xmlns:adec="http://schemas.microsoft.com/office/drawing/2017/decorative" xmlns="" val="1"/>
                 </a:ext>
               </a:extLst>
             </p:cNvPr>
@@ -18094,7 +18141,7 @@
                   <a16:creationId xmlns:a16="http://schemas.microsoft.com/office/drawing/2014/main" id="{ABF0A0E5-E68E-4183-A913-228692FD85EC}"/>
                 </a:ext>
                 <a:ext uri="{C183D7F6-B498-43B3-948B-1728B52AA6E4}">
-                  <adec:decorative xmlns:adec="http://schemas.microsoft.com/office/drawing/2017/decorative" val="1"/>
+                  <adec:decorative xmlns:adec="http://schemas.microsoft.com/office/drawing/2017/decorative" xmlns="" val="1"/>
                 </a:ext>
               </a:extLst>
             </p:cNvPr>
@@ -18221,7 +18268,7 @@
                   <a16:creationId xmlns:a16="http://schemas.microsoft.com/office/drawing/2014/main" id="{615D8F55-8ACD-4EFE-A832-06E785479EA5}"/>
                 </a:ext>
                 <a:ext uri="{C183D7F6-B498-43B3-948B-1728B52AA6E4}">
-                  <adec:decorative xmlns:adec="http://schemas.microsoft.com/office/drawing/2017/decorative" val="1"/>
+                  <adec:decorative xmlns:adec="http://schemas.microsoft.com/office/drawing/2017/decorative" xmlns="" val="1"/>
                 </a:ext>
               </a:extLst>
             </p:cNvPr>
@@ -18283,7 +18330,7 @@
                   <a16:creationId xmlns:a16="http://schemas.microsoft.com/office/drawing/2014/main" id="{0FDF4201-8CEC-474B-A6B1-88039B70416F}"/>
                 </a:ext>
                 <a:ext uri="{C183D7F6-B498-43B3-948B-1728B52AA6E4}">
-                  <adec:decorative xmlns:adec="http://schemas.microsoft.com/office/drawing/2017/decorative" val="1"/>
+                  <adec:decorative xmlns:adec="http://schemas.microsoft.com/office/drawing/2017/decorative" xmlns="" val="1"/>
                 </a:ext>
               </a:extLst>
             </p:cNvPr>
@@ -18355,7 +18402,7 @@
                   <a16:creationId xmlns:a16="http://schemas.microsoft.com/office/drawing/2014/main" id="{0F60AEA4-B25F-417E-93FC-59686DFBE56E}"/>
                 </a:ext>
                 <a:ext uri="{C183D7F6-B498-43B3-948B-1728B52AA6E4}">
-                  <adec:decorative xmlns:adec="http://schemas.microsoft.com/office/drawing/2017/decorative" val="1"/>
+                  <adec:decorative xmlns:adec="http://schemas.microsoft.com/office/drawing/2017/decorative" xmlns="" val="1"/>
                 </a:ext>
               </a:extLst>
             </p:cNvPr>
@@ -18550,6 +18597,13 @@
   <p:clrMapOvr>
     <a:masterClrMapping/>
   </p:clrMapOvr>
+  <p:timing>
+    <p:tnLst>
+      <p:par>
+        <p:cTn id="1" dur="indefinite" restart="never" nodeType="tmRoot"/>
+      </p:par>
+    </p:tnLst>
+  </p:timing>
 </p:sld>
 </file>
 
@@ -18698,6 +18752,13 @@
   <p:clrMapOvr>
     <a:masterClrMapping/>
   </p:clrMapOvr>
+  <p:timing>
+    <p:tnLst>
+      <p:par>
+        <p:cTn id="1" dur="indefinite" restart="never" nodeType="tmRoot"/>
+      </p:par>
+    </p:tnLst>
+  </p:timing>
 </p:sld>
 </file>
 
